--- a/일정/02_02.pptx
+++ b/일정/02_02.pptx
@@ -7,6 +7,8 @@
   <p:sldIdLst>
     <p:sldId id="256" r:id="rId2"/>
     <p:sldId id="257" r:id="rId3"/>
+    <p:sldId id="258" r:id="rId4"/>
+    <p:sldId id="259" r:id="rId5"/>
   </p:sldIdLst>
   <p:sldSz cx="12192000" cy="6858000"/>
   <p:notesSz cx="6858000" cy="9144000"/>
@@ -105,6 +107,11 @@
       </a:defRPr>
     </a:lvl9pPr>
   </p:defaultTextStyle>
+  <p:extLst>
+    <p:ext uri="{EFAFB233-063F-42B5-8137-9DF3F51BA10A}">
+      <p15:sldGuideLst xmlns:p15="http://schemas.microsoft.com/office/powerpoint/2012/main"/>
+    </p:ext>
+  </p:extLst>
 </p:presentation>
 </file>
 
@@ -239,7 +246,7 @@
           <a:p>
             <a:fld id="{8C8B48BC-E251-4F64-8EB3-0B1EACC476C1}" type="datetimeFigureOut">
               <a:rPr lang="ko-KR" altLang="en-US" smtClean="0"/>
-              <a:t>2021-01-30</a:t>
+              <a:t>2021-02-01</a:t>
             </a:fld>
             <a:endParaRPr lang="ko-KR" altLang="en-US"/>
           </a:p>
@@ -409,7 +416,7 @@
           <a:p>
             <a:fld id="{8C8B48BC-E251-4F64-8EB3-0B1EACC476C1}" type="datetimeFigureOut">
               <a:rPr lang="ko-KR" altLang="en-US" smtClean="0"/>
-              <a:t>2021-01-30</a:t>
+              <a:t>2021-02-01</a:t>
             </a:fld>
             <a:endParaRPr lang="ko-KR" altLang="en-US"/>
           </a:p>
@@ -589,7 +596,7 @@
           <a:p>
             <a:fld id="{8C8B48BC-E251-4F64-8EB3-0B1EACC476C1}" type="datetimeFigureOut">
               <a:rPr lang="ko-KR" altLang="en-US" smtClean="0"/>
-              <a:t>2021-01-30</a:t>
+              <a:t>2021-02-01</a:t>
             </a:fld>
             <a:endParaRPr lang="ko-KR" altLang="en-US"/>
           </a:p>
@@ -759,7 +766,7 @@
           <a:p>
             <a:fld id="{8C8B48BC-E251-4F64-8EB3-0B1EACC476C1}" type="datetimeFigureOut">
               <a:rPr lang="ko-KR" altLang="en-US" smtClean="0"/>
-              <a:t>2021-01-30</a:t>
+              <a:t>2021-02-01</a:t>
             </a:fld>
             <a:endParaRPr lang="ko-KR" altLang="en-US"/>
           </a:p>
@@ -1005,7 +1012,7 @@
           <a:p>
             <a:fld id="{8C8B48BC-E251-4F64-8EB3-0B1EACC476C1}" type="datetimeFigureOut">
               <a:rPr lang="ko-KR" altLang="en-US" smtClean="0"/>
-              <a:t>2021-01-30</a:t>
+              <a:t>2021-02-01</a:t>
             </a:fld>
             <a:endParaRPr lang="ko-KR" altLang="en-US"/>
           </a:p>
@@ -1237,7 +1244,7 @@
           <a:p>
             <a:fld id="{8C8B48BC-E251-4F64-8EB3-0B1EACC476C1}" type="datetimeFigureOut">
               <a:rPr lang="ko-KR" altLang="en-US" smtClean="0"/>
-              <a:t>2021-01-30</a:t>
+              <a:t>2021-02-01</a:t>
             </a:fld>
             <a:endParaRPr lang="ko-KR" altLang="en-US"/>
           </a:p>
@@ -1604,7 +1611,7 @@
           <a:p>
             <a:fld id="{8C8B48BC-E251-4F64-8EB3-0B1EACC476C1}" type="datetimeFigureOut">
               <a:rPr lang="ko-KR" altLang="en-US" smtClean="0"/>
-              <a:t>2021-01-30</a:t>
+              <a:t>2021-02-01</a:t>
             </a:fld>
             <a:endParaRPr lang="ko-KR" altLang="en-US"/>
           </a:p>
@@ -1722,7 +1729,7 @@
           <a:p>
             <a:fld id="{8C8B48BC-E251-4F64-8EB3-0B1EACC476C1}" type="datetimeFigureOut">
               <a:rPr lang="ko-KR" altLang="en-US" smtClean="0"/>
-              <a:t>2021-01-30</a:t>
+              <a:t>2021-02-01</a:t>
             </a:fld>
             <a:endParaRPr lang="ko-KR" altLang="en-US"/>
           </a:p>
@@ -1817,7 +1824,7 @@
           <a:p>
             <a:fld id="{8C8B48BC-E251-4F64-8EB3-0B1EACC476C1}" type="datetimeFigureOut">
               <a:rPr lang="ko-KR" altLang="en-US" smtClean="0"/>
-              <a:t>2021-01-30</a:t>
+              <a:t>2021-02-01</a:t>
             </a:fld>
             <a:endParaRPr lang="ko-KR" altLang="en-US"/>
           </a:p>
@@ -2094,7 +2101,7 @@
           <a:p>
             <a:fld id="{8C8B48BC-E251-4F64-8EB3-0B1EACC476C1}" type="datetimeFigureOut">
               <a:rPr lang="ko-KR" altLang="en-US" smtClean="0"/>
-              <a:t>2021-01-30</a:t>
+              <a:t>2021-02-01</a:t>
             </a:fld>
             <a:endParaRPr lang="ko-KR" altLang="en-US"/>
           </a:p>
@@ -2347,7 +2354,7 @@
           <a:p>
             <a:fld id="{8C8B48BC-E251-4F64-8EB3-0B1EACC476C1}" type="datetimeFigureOut">
               <a:rPr lang="ko-KR" altLang="en-US" smtClean="0"/>
-              <a:t>2021-01-30</a:t>
+              <a:t>2021-02-01</a:t>
             </a:fld>
             <a:endParaRPr lang="ko-KR" altLang="en-US"/>
           </a:p>
@@ -2560,7 +2567,7 @@
           <a:p>
             <a:fld id="{8C8B48BC-E251-4F64-8EB3-0B1EACC476C1}" type="datetimeFigureOut">
               <a:rPr lang="ko-KR" altLang="en-US" smtClean="0"/>
-              <a:t>2021-01-30</a:t>
+              <a:t>2021-02-01</a:t>
             </a:fld>
             <a:endParaRPr lang="ko-KR" altLang="en-US"/>
           </a:p>
@@ -3051,42 +3058,49 @@
             <p:ph type="title"/>
           </p:nvPr>
         </p:nvSpPr>
-        <p:spPr/>
-        <p:txBody>
-          <a:bodyPr/>
-          <a:lstStyle/>
-          <a:p>
-            <a:r>
-              <a:rPr lang="ko-KR" altLang="en-US" dirty="0" smtClean="0"/>
-              <a:t>남아있는 작업은</a:t>
-            </a:r>
-            <a:r>
-              <a:rPr lang="en-US" altLang="ko-KR" dirty="0" smtClean="0"/>
-              <a:t>?</a:t>
-            </a:r>
-            <a:endParaRPr lang="ko-KR" altLang="en-US" dirty="0"/>
-          </a:p>
-        </p:txBody>
-      </p:sp>
-      <p:sp>
-        <p:nvSpPr>
-          <p:cNvPr id="3" name="내용 개체 틀 2"/>
-          <p:cNvSpPr>
-            <a:spLocks noGrp="1"/>
-          </p:cNvSpPr>
-          <p:nvPr>
-            <p:ph idx="1"/>
-          </p:nvPr>
-        </p:nvSpPr>
         <p:spPr>
           <a:xfrm>
-            <a:off x="838200" y="1393362"/>
-            <a:ext cx="10515600" cy="4982499"/>
+            <a:off x="838200" y="67799"/>
+            <a:ext cx="10515600" cy="1325563"/>
           </a:xfrm>
         </p:spPr>
         <p:txBody>
           <a:bodyPr>
-            <a:normAutofit fontScale="92500" lnSpcReduction="10000"/>
+            <a:normAutofit/>
+          </a:bodyPr>
+          <a:lstStyle/>
+          <a:p>
+            <a:r>
+              <a:rPr lang="ko-KR" altLang="en-US" sz="3200" dirty="0" smtClean="0"/>
+              <a:t>남아있는 작업은</a:t>
+            </a:r>
+            <a:r>
+              <a:rPr lang="en-US" altLang="ko-KR" sz="3200" dirty="0" smtClean="0"/>
+              <a:t>?</a:t>
+            </a:r>
+            <a:endParaRPr lang="ko-KR" altLang="en-US" sz="3200" dirty="0"/>
+          </a:p>
+        </p:txBody>
+      </p:sp>
+      <p:sp>
+        <p:nvSpPr>
+          <p:cNvPr id="3" name="내용 개체 틀 2"/>
+          <p:cNvSpPr>
+            <a:spLocks noGrp="1"/>
+          </p:cNvSpPr>
+          <p:nvPr>
+            <p:ph idx="1"/>
+          </p:nvPr>
+        </p:nvSpPr>
+        <p:spPr>
+          <a:xfrm>
+            <a:off x="838200" y="1005840"/>
+            <a:ext cx="10515600" cy="5370021"/>
+          </a:xfrm>
+        </p:spPr>
+        <p:txBody>
+          <a:bodyPr>
+            <a:normAutofit fontScale="62500" lnSpcReduction="20000"/>
           </a:bodyPr>
           <a:lstStyle/>
           <a:p>
@@ -3102,6 +3116,33 @@
           </a:p>
           <a:p>
             <a:r>
+              <a:rPr lang="ko-KR" altLang="en-US" dirty="0" smtClean="0"/>
+              <a:t>프로필 사진 업데이트시에 메시지의 프로필 </a:t>
+            </a:r>
+            <a:r>
+              <a:rPr lang="ko-KR" altLang="en-US" dirty="0" err="1" smtClean="0"/>
+              <a:t>사진정보도</a:t>
+            </a:r>
+            <a:r>
+              <a:rPr lang="ko-KR" altLang="en-US" dirty="0" smtClean="0"/>
+              <a:t> 업데이트</a:t>
+            </a:r>
+            <a:r>
+              <a:rPr lang="en-US" altLang="ko-KR" dirty="0" smtClean="0"/>
+              <a:t>?(…</a:t>
+            </a:r>
+            <a:r>
+              <a:rPr lang="ko-KR" altLang="en-US" dirty="0" smtClean="0"/>
+              <a:t>선택</a:t>
+            </a:r>
+            <a:r>
+              <a:rPr lang="en-US" altLang="ko-KR" dirty="0" smtClean="0"/>
+              <a:t>?)</a:t>
+            </a:r>
+            <a:endParaRPr lang="en-US" altLang="ko-KR" dirty="0" smtClean="0"/>
+          </a:p>
+          <a:p>
+            <a:r>
               <a:rPr lang="en-US" altLang="ko-KR" dirty="0" smtClean="0"/>
               <a:t>FCM</a:t>
             </a:r>
@@ -3137,9 +3178,28 @@
             </a:r>
             <a:r>
               <a:rPr lang="ko-KR" altLang="en-US" dirty="0" smtClean="0"/>
-              <a:t>  구현</a:t>
-            </a:r>
-            <a:endParaRPr lang="en-US" altLang="ko-KR" dirty="0" smtClean="0"/>
+              <a:t> 구현</a:t>
+            </a:r>
+            <a:r>
+              <a:rPr lang="en-US" altLang="ko-KR" dirty="0" smtClean="0"/>
+              <a:t>(1</a:t>
+            </a:r>
+            <a:r>
+              <a:rPr lang="ko-KR" altLang="en-US" dirty="0" smtClean="0"/>
+              <a:t>월 </a:t>
+            </a:r>
+            <a:r>
+              <a:rPr lang="en-US" altLang="ko-KR" dirty="0" smtClean="0"/>
+              <a:t>31</a:t>
+            </a:r>
+            <a:r>
+              <a:rPr lang="ko-KR" altLang="en-US" dirty="0" smtClean="0"/>
+              <a:t>일 부분적 완료</a:t>
+            </a:r>
+            <a:r>
+              <a:rPr lang="en-US" altLang="ko-KR" dirty="0" smtClean="0"/>
+              <a:t>)</a:t>
+            </a:r>
           </a:p>
           <a:p>
             <a:r>
@@ -3173,6 +3233,24 @@
           </a:p>
           <a:p>
             <a:r>
+              <a:rPr lang="ko-KR" altLang="en-US" dirty="0" smtClean="0"/>
+              <a:t>프로필 이미지 </a:t>
+            </a:r>
+            <a:r>
+              <a:rPr lang="ko-KR" altLang="en-US" dirty="0" err="1" smtClean="0"/>
+              <a:t>변경시</a:t>
+            </a:r>
+            <a:r>
+              <a:rPr lang="ko-KR" altLang="en-US" dirty="0" smtClean="0"/>
+              <a:t> 예전 프로필 사진 지우기</a:t>
+            </a:r>
+            <a:r>
+              <a:rPr lang="en-US" altLang="ko-KR" dirty="0" smtClean="0"/>
+              <a:t>. </a:t>
+            </a:r>
+          </a:p>
+          <a:p>
+            <a:r>
               <a:rPr lang="ko-KR" altLang="en-US" dirty="0" err="1" smtClean="0"/>
               <a:t>마이페이지</a:t>
             </a:r>
@@ -3180,6 +3258,56 @@
               <a:rPr lang="ko-KR" altLang="en-US" dirty="0" smtClean="0"/>
               <a:t> 자기가 쓴 글 목록</a:t>
             </a:r>
+            <a:r>
+              <a:rPr lang="en-US" altLang="ko-KR" dirty="0" smtClean="0"/>
+              <a:t>(1</a:t>
+            </a:r>
+            <a:r>
+              <a:rPr lang="ko-KR" altLang="en-US" dirty="0" smtClean="0"/>
+              <a:t>월 </a:t>
+            </a:r>
+            <a:r>
+              <a:rPr lang="en-US" altLang="ko-KR" dirty="0" smtClean="0"/>
+              <a:t>30</a:t>
+            </a:r>
+            <a:r>
+              <a:rPr lang="ko-KR" altLang="en-US" dirty="0" smtClean="0"/>
+              <a:t>일  부분적 완료</a:t>
+            </a:r>
+            <a:r>
+              <a:rPr lang="en-US" altLang="ko-KR" dirty="0" smtClean="0"/>
+              <a:t>)</a:t>
+            </a:r>
+          </a:p>
+          <a:p>
+            <a:r>
+              <a:rPr lang="ko-KR" altLang="en-US" dirty="0" err="1" smtClean="0"/>
+              <a:t>마이페이지</a:t>
+            </a:r>
+            <a:r>
+              <a:rPr lang="en-US" altLang="ko-KR" dirty="0" smtClean="0">
+                <a:sym typeface="Wingdings" panose="05000000000000000000" pitchFamily="2" charset="2"/>
+              </a:rPr>
+              <a:t></a:t>
+            </a:r>
+            <a:r>
+              <a:rPr lang="ko-KR" altLang="en-US" dirty="0" smtClean="0">
+                <a:sym typeface="Wingdings" panose="05000000000000000000" pitchFamily="2" charset="2"/>
+              </a:rPr>
+              <a:t>내가 쓴 글에서 </a:t>
+            </a:r>
+            <a:r>
+              <a:rPr lang="en-US" altLang="ko-KR" dirty="0" err="1" smtClean="0">
+                <a:sym typeface="Wingdings" panose="05000000000000000000" pitchFamily="2" charset="2"/>
+              </a:rPr>
+              <a:t>BottomNavigationBar</a:t>
+            </a:r>
+            <a:r>
+              <a:rPr lang="en-US" altLang="ko-KR" dirty="0" smtClean="0">
+                <a:sym typeface="Wingdings" panose="05000000000000000000" pitchFamily="2" charset="2"/>
+              </a:rPr>
+              <a:t>. </a:t>
+            </a:r>
             <a:endParaRPr lang="en-US" altLang="ko-KR" dirty="0" smtClean="0"/>
           </a:p>
           <a:p>
@@ -3239,15 +3367,26 @@
           <a:p>
             <a:r>
               <a:rPr lang="ko-KR" altLang="en-US" dirty="0" smtClean="0"/>
+              <a:t>코드 정리 </a:t>
+            </a:r>
+            <a:endParaRPr lang="en-US" altLang="ko-KR" dirty="0" smtClean="0"/>
+          </a:p>
+          <a:p>
+            <a:r>
+              <a:rPr lang="ko-KR" altLang="en-US" dirty="0" smtClean="0"/>
+              <a:t>프로젝트 리뷰</a:t>
+            </a:r>
+            <a:endParaRPr lang="en-US" altLang="ko-KR" dirty="0" smtClean="0"/>
+          </a:p>
+          <a:p>
+            <a:r>
+              <a:rPr lang="ko-KR" altLang="en-US" dirty="0" smtClean="0"/>
               <a:t>생각나는 것은 이정도</a:t>
             </a:r>
             <a:r>
               <a:rPr lang="en-US" altLang="ko-KR" dirty="0" smtClean="0"/>
               <a:t>…</a:t>
             </a:r>
-          </a:p>
-          <a:p>
-            <a:endParaRPr lang="ko-KR" altLang="en-US" dirty="0"/>
           </a:p>
         </p:txBody>
       </p:sp>
@@ -3255,6 +3394,289 @@
     <p:extLst>
       <p:ext uri="{BB962C8B-B14F-4D97-AF65-F5344CB8AC3E}">
         <p14:creationId xmlns:p14="http://schemas.microsoft.com/office/powerpoint/2010/main" val="3400006820"/>
+      </p:ext>
+    </p:extLst>
+  </p:cSld>
+  <p:clrMapOvr>
+    <a:masterClrMapping/>
+  </p:clrMapOvr>
+</p:sld>
+</file>
+
+<file path=ppt/slides/slide3.xml><?xml version="1.0" encoding="utf-8"?>
+<p:sld xmlns:a="http://schemas.openxmlformats.org/drawingml/2006/main" xmlns:r="http://schemas.openxmlformats.org/officeDocument/2006/relationships" xmlns:p="http://schemas.openxmlformats.org/presentationml/2006/main">
+  <p:cSld>
+    <p:spTree>
+      <p:nvGrpSpPr>
+        <p:cNvPr id="1" name=""/>
+        <p:cNvGrpSpPr/>
+        <p:nvPr/>
+      </p:nvGrpSpPr>
+      <p:grpSpPr>
+        <a:xfrm>
+          <a:off x="0" y="0"/>
+          <a:ext cx="0" cy="0"/>
+          <a:chOff x="0" y="0"/>
+          <a:chExt cx="0" cy="0"/>
+        </a:xfrm>
+      </p:grpSpPr>
+      <p:sp>
+        <p:nvSpPr>
+          <p:cNvPr id="2" name="제목 1"/>
+          <p:cNvSpPr>
+            <a:spLocks noGrp="1"/>
+          </p:cNvSpPr>
+          <p:nvPr>
+            <p:ph type="title"/>
+          </p:nvPr>
+        </p:nvSpPr>
+        <p:spPr/>
+        <p:txBody>
+          <a:bodyPr/>
+          <a:lstStyle/>
+          <a:p>
+            <a:r>
+              <a:rPr lang="ko-KR" altLang="en-US" dirty="0" smtClean="0"/>
+              <a:t>회의 안건</a:t>
+            </a:r>
+            <a:endParaRPr lang="ko-KR" altLang="en-US" dirty="0"/>
+          </a:p>
+        </p:txBody>
+      </p:sp>
+      <p:sp>
+        <p:nvSpPr>
+          <p:cNvPr id="3" name="내용 개체 틀 2"/>
+          <p:cNvSpPr>
+            <a:spLocks noGrp="1"/>
+          </p:cNvSpPr>
+          <p:nvPr>
+            <p:ph idx="1"/>
+          </p:nvPr>
+        </p:nvSpPr>
+        <p:spPr/>
+        <p:txBody>
+          <a:bodyPr>
+            <a:normAutofit lnSpcReduction="10000"/>
+          </a:bodyPr>
+          <a:lstStyle/>
+          <a:p>
+            <a:r>
+              <a:rPr lang="en-US" altLang="ko-KR" dirty="0" smtClean="0"/>
+              <a:t>3</a:t>
+            </a:r>
+            <a:r>
+              <a:rPr lang="ko-KR" altLang="en-US" dirty="0" smtClean="0"/>
+              <a:t>차 시연회는 다음주 화요일</a:t>
+            </a:r>
+            <a:r>
+              <a:rPr lang="en-US" altLang="ko-KR" dirty="0" smtClean="0"/>
+              <a:t>! </a:t>
+            </a:r>
+            <a:br>
+              <a:rPr lang="en-US" altLang="ko-KR" dirty="0" smtClean="0"/>
+            </a:br>
+            <a:r>
+              <a:rPr lang="ko-KR" altLang="en-US" dirty="0" smtClean="0"/>
+              <a:t>개강 준비를 할 겸</a:t>
+            </a:r>
+            <a:r>
+              <a:rPr lang="en-US" altLang="ko-KR" dirty="0" smtClean="0"/>
+              <a:t>….</a:t>
+            </a:r>
+            <a:r>
+              <a:rPr lang="ko-KR" altLang="en-US" dirty="0" smtClean="0"/>
+              <a:t>다음주 화요일까지 휴무 없이</a:t>
+            </a:r>
+            <a:r>
+              <a:rPr lang="en-US" altLang="ko-KR" dirty="0" smtClean="0"/>
+              <a:t>(</a:t>
+            </a:r>
+            <a:r>
+              <a:rPr lang="ko-KR" altLang="en-US" dirty="0" smtClean="0"/>
+              <a:t>일요일 근무 포함</a:t>
+            </a:r>
+            <a:r>
+              <a:rPr lang="en-US" altLang="ko-KR" dirty="0" smtClean="0"/>
+              <a:t>) </a:t>
+            </a:r>
+            <a:r>
+              <a:rPr lang="ko-KR" altLang="en-US" dirty="0" smtClean="0"/>
+              <a:t>일을 하고</a:t>
+            </a:r>
+            <a:r>
+              <a:rPr lang="en-US" altLang="ko-KR" dirty="0" smtClean="0"/>
+              <a:t>(</a:t>
+            </a:r>
+            <a:r>
+              <a:rPr lang="ko-KR" altLang="en-US" dirty="0" smtClean="0"/>
+              <a:t>아마 연장근무 들어갈 것 같습니다</a:t>
+            </a:r>
+            <a:r>
+              <a:rPr lang="en-US" altLang="ko-KR" dirty="0" smtClean="0"/>
+              <a:t>.)</a:t>
+            </a:r>
+            <a:r>
+              <a:rPr lang="ko-KR" altLang="en-US" dirty="0" smtClean="0"/>
+              <a:t> 개강 전까지 푹 쉬는 것은 어떤가요</a:t>
+            </a:r>
+            <a:r>
+              <a:rPr lang="en-US" altLang="ko-KR" dirty="0" smtClean="0"/>
+              <a:t>?</a:t>
+            </a:r>
+          </a:p>
+          <a:p>
+            <a:r>
+              <a:rPr lang="ko-KR" altLang="en-US" dirty="0" smtClean="0"/>
+              <a:t>애플리케이션 분석을 했을 때에</a:t>
+            </a:r>
+            <a:r>
+              <a:rPr lang="en-US" altLang="ko-KR" dirty="0" smtClean="0"/>
+              <a:t>… </a:t>
+            </a:r>
+            <a:r>
+              <a:rPr lang="en-US" altLang="ko-KR" dirty="0" err="1" smtClean="0"/>
+              <a:t>BottomNavigationBar</a:t>
+            </a:r>
+            <a:r>
+              <a:rPr lang="ko-KR" altLang="en-US" dirty="0" smtClean="0"/>
+              <a:t>가 </a:t>
+            </a:r>
+            <a:r>
+              <a:rPr lang="en-US" altLang="ko-KR" dirty="0" smtClean="0"/>
+              <a:t>Home</a:t>
+            </a:r>
+            <a:r>
+              <a:rPr lang="ko-KR" altLang="en-US" dirty="0" smtClean="0"/>
+              <a:t>을 통해서 들어간 페이지에는 나타나는데 그 외에는 나타나지 않네요</a:t>
+            </a:r>
+            <a:r>
+              <a:rPr lang="en-US" altLang="ko-KR" dirty="0" smtClean="0"/>
+              <a:t>. </a:t>
+            </a:r>
+          </a:p>
+          <a:p>
+            <a:r>
+              <a:rPr lang="ko-KR" altLang="en-US" dirty="0" smtClean="0"/>
+              <a:t>신이 내일 수강신청 </a:t>
+            </a:r>
+            <a:r>
+              <a:rPr lang="ko-KR" altLang="en-US" dirty="0" smtClean="0"/>
+              <a:t>파이팅</a:t>
+            </a:r>
+            <a:endParaRPr lang="en-US" altLang="ko-KR" dirty="0" smtClean="0"/>
+          </a:p>
+          <a:p>
+            <a:r>
+              <a:rPr lang="ko-KR" altLang="en-US" dirty="0" smtClean="0"/>
+              <a:t>상금 분배에 관한 건에 대해서</a:t>
+            </a:r>
+            <a:r>
+              <a:rPr lang="en-US" altLang="ko-KR" dirty="0" smtClean="0"/>
+              <a:t>. 1 : 1 : 1 : 1 </a:t>
+            </a:r>
+            <a:r>
+              <a:rPr lang="ko-KR" altLang="en-US" dirty="0" smtClean="0"/>
+              <a:t>에서</a:t>
+            </a:r>
+            <a:r>
+              <a:rPr lang="en-US" altLang="ko-KR" dirty="0" smtClean="0"/>
+              <a:t>. </a:t>
+            </a:r>
+            <a:endParaRPr lang="en-US" altLang="ko-KR" dirty="0" smtClean="0"/>
+          </a:p>
+          <a:p>
+            <a:r>
+              <a:rPr lang="ko-KR" altLang="en-US" dirty="0" smtClean="0"/>
+              <a:t>또 있을까요</a:t>
+            </a:r>
+            <a:r>
+              <a:rPr lang="en-US" altLang="ko-KR" dirty="0" smtClean="0"/>
+              <a:t>?</a:t>
+            </a:r>
+          </a:p>
+          <a:p>
+            <a:endParaRPr lang="en-US" altLang="ko-KR" dirty="0"/>
+          </a:p>
+          <a:p>
+            <a:pPr marL="0" indent="0">
+              <a:buNone/>
+            </a:pPr>
+            <a:endParaRPr lang="ko-KR" altLang="en-US" dirty="0"/>
+          </a:p>
+        </p:txBody>
+      </p:sp>
+    </p:spTree>
+    <p:extLst>
+      <p:ext uri="{BB962C8B-B14F-4D97-AF65-F5344CB8AC3E}">
+        <p14:creationId xmlns:p14="http://schemas.microsoft.com/office/powerpoint/2010/main" val="1559561419"/>
+      </p:ext>
+    </p:extLst>
+  </p:cSld>
+  <p:clrMapOvr>
+    <a:masterClrMapping/>
+  </p:clrMapOvr>
+</p:sld>
+</file>
+
+<file path=ppt/slides/slide4.xml><?xml version="1.0" encoding="utf-8"?>
+<p:sld xmlns:a="http://schemas.openxmlformats.org/drawingml/2006/main" xmlns:r="http://schemas.openxmlformats.org/officeDocument/2006/relationships" xmlns:p="http://schemas.openxmlformats.org/presentationml/2006/main">
+  <p:cSld>
+    <p:spTree>
+      <p:nvGrpSpPr>
+        <p:cNvPr id="1" name=""/>
+        <p:cNvGrpSpPr/>
+        <p:nvPr/>
+      </p:nvGrpSpPr>
+      <p:grpSpPr>
+        <a:xfrm>
+          <a:off x="0" y="0"/>
+          <a:ext cx="0" cy="0"/>
+          <a:chOff x="0" y="0"/>
+          <a:chExt cx="0" cy="0"/>
+        </a:xfrm>
+      </p:grpSpPr>
+      <p:sp>
+        <p:nvSpPr>
+          <p:cNvPr id="2" name="제목 1"/>
+          <p:cNvSpPr>
+            <a:spLocks noGrp="1"/>
+          </p:cNvSpPr>
+          <p:nvPr>
+            <p:ph type="title"/>
+          </p:nvPr>
+        </p:nvSpPr>
+        <p:spPr/>
+        <p:txBody>
+          <a:bodyPr/>
+          <a:lstStyle/>
+          <a:p>
+            <a:endParaRPr lang="ko-KR" altLang="en-US"/>
+          </a:p>
+        </p:txBody>
+      </p:sp>
+      <p:sp>
+        <p:nvSpPr>
+          <p:cNvPr id="3" name="내용 개체 틀 2"/>
+          <p:cNvSpPr>
+            <a:spLocks noGrp="1"/>
+          </p:cNvSpPr>
+          <p:nvPr>
+            <p:ph idx="1"/>
+          </p:nvPr>
+        </p:nvSpPr>
+        <p:spPr/>
+        <p:txBody>
+          <a:bodyPr/>
+          <a:lstStyle/>
+          <a:p>
+            <a:endParaRPr lang="ko-KR" altLang="en-US"/>
+          </a:p>
+        </p:txBody>
+      </p:sp>
+    </p:spTree>
+    <p:extLst>
+      <p:ext uri="{BB962C8B-B14F-4D97-AF65-F5344CB8AC3E}">
+        <p14:creationId xmlns:p14="http://schemas.microsoft.com/office/powerpoint/2010/main" val="1437604592"/>
       </p:ext>
     </p:extLst>
   </p:cSld>

--- a/일정/02_02.pptx
+++ b/일정/02_02.pptx
@@ -9,6 +9,7 @@
     <p:sldId id="257" r:id="rId3"/>
     <p:sldId id="258" r:id="rId4"/>
     <p:sldId id="259" r:id="rId5"/>
+    <p:sldId id="260" r:id="rId6"/>
   </p:sldIdLst>
   <p:sldSz cx="12192000" cy="6858000"/>
   <p:notesSz cx="6858000" cy="9144000"/>
@@ -246,7 +247,7 @@
           <a:p>
             <a:fld id="{8C8B48BC-E251-4F64-8EB3-0B1EACC476C1}" type="datetimeFigureOut">
               <a:rPr lang="ko-KR" altLang="en-US" smtClean="0"/>
-              <a:t>2021-02-01</a:t>
+              <a:t>2021-02-03</a:t>
             </a:fld>
             <a:endParaRPr lang="ko-KR" altLang="en-US"/>
           </a:p>
@@ -416,7 +417,7 @@
           <a:p>
             <a:fld id="{8C8B48BC-E251-4F64-8EB3-0B1EACC476C1}" type="datetimeFigureOut">
               <a:rPr lang="ko-KR" altLang="en-US" smtClean="0"/>
-              <a:t>2021-02-01</a:t>
+              <a:t>2021-02-03</a:t>
             </a:fld>
             <a:endParaRPr lang="ko-KR" altLang="en-US"/>
           </a:p>
@@ -596,7 +597,7 @@
           <a:p>
             <a:fld id="{8C8B48BC-E251-4F64-8EB3-0B1EACC476C1}" type="datetimeFigureOut">
               <a:rPr lang="ko-KR" altLang="en-US" smtClean="0"/>
-              <a:t>2021-02-01</a:t>
+              <a:t>2021-02-03</a:t>
             </a:fld>
             <a:endParaRPr lang="ko-KR" altLang="en-US"/>
           </a:p>
@@ -766,7 +767,7 @@
           <a:p>
             <a:fld id="{8C8B48BC-E251-4F64-8EB3-0B1EACC476C1}" type="datetimeFigureOut">
               <a:rPr lang="ko-KR" altLang="en-US" smtClean="0"/>
-              <a:t>2021-02-01</a:t>
+              <a:t>2021-02-03</a:t>
             </a:fld>
             <a:endParaRPr lang="ko-KR" altLang="en-US"/>
           </a:p>
@@ -1012,7 +1013,7 @@
           <a:p>
             <a:fld id="{8C8B48BC-E251-4F64-8EB3-0B1EACC476C1}" type="datetimeFigureOut">
               <a:rPr lang="ko-KR" altLang="en-US" smtClean="0"/>
-              <a:t>2021-02-01</a:t>
+              <a:t>2021-02-03</a:t>
             </a:fld>
             <a:endParaRPr lang="ko-KR" altLang="en-US"/>
           </a:p>
@@ -1244,7 +1245,7 @@
           <a:p>
             <a:fld id="{8C8B48BC-E251-4F64-8EB3-0B1EACC476C1}" type="datetimeFigureOut">
               <a:rPr lang="ko-KR" altLang="en-US" smtClean="0"/>
-              <a:t>2021-02-01</a:t>
+              <a:t>2021-02-03</a:t>
             </a:fld>
             <a:endParaRPr lang="ko-KR" altLang="en-US"/>
           </a:p>
@@ -1611,7 +1612,7 @@
           <a:p>
             <a:fld id="{8C8B48BC-E251-4F64-8EB3-0B1EACC476C1}" type="datetimeFigureOut">
               <a:rPr lang="ko-KR" altLang="en-US" smtClean="0"/>
-              <a:t>2021-02-01</a:t>
+              <a:t>2021-02-03</a:t>
             </a:fld>
             <a:endParaRPr lang="ko-KR" altLang="en-US"/>
           </a:p>
@@ -1729,7 +1730,7 @@
           <a:p>
             <a:fld id="{8C8B48BC-E251-4F64-8EB3-0B1EACC476C1}" type="datetimeFigureOut">
               <a:rPr lang="ko-KR" altLang="en-US" smtClean="0"/>
-              <a:t>2021-02-01</a:t>
+              <a:t>2021-02-03</a:t>
             </a:fld>
             <a:endParaRPr lang="ko-KR" altLang="en-US"/>
           </a:p>
@@ -1824,7 +1825,7 @@
           <a:p>
             <a:fld id="{8C8B48BC-E251-4F64-8EB3-0B1EACC476C1}" type="datetimeFigureOut">
               <a:rPr lang="ko-KR" altLang="en-US" smtClean="0"/>
-              <a:t>2021-02-01</a:t>
+              <a:t>2021-02-03</a:t>
             </a:fld>
             <a:endParaRPr lang="ko-KR" altLang="en-US"/>
           </a:p>
@@ -2101,7 +2102,7 @@
           <a:p>
             <a:fld id="{8C8B48BC-E251-4F64-8EB3-0B1EACC476C1}" type="datetimeFigureOut">
               <a:rPr lang="ko-KR" altLang="en-US" smtClean="0"/>
-              <a:t>2021-02-01</a:t>
+              <a:t>2021-02-03</a:t>
             </a:fld>
             <a:endParaRPr lang="ko-KR" altLang="en-US"/>
           </a:p>
@@ -2354,7 +2355,7 @@
           <a:p>
             <a:fld id="{8C8B48BC-E251-4F64-8EB3-0B1EACC476C1}" type="datetimeFigureOut">
               <a:rPr lang="ko-KR" altLang="en-US" smtClean="0"/>
-              <a:t>2021-02-01</a:t>
+              <a:t>2021-02-03</a:t>
             </a:fld>
             <a:endParaRPr lang="ko-KR" altLang="en-US"/>
           </a:p>
@@ -2567,7 +2568,7 @@
           <a:p>
             <a:fld id="{8C8B48BC-E251-4F64-8EB3-0B1EACC476C1}" type="datetimeFigureOut">
               <a:rPr lang="ko-KR" altLang="en-US" smtClean="0"/>
-              <a:t>2021-02-01</a:t>
+              <a:t>2021-02-03</a:t>
             </a:fld>
             <a:endParaRPr lang="ko-KR" altLang="en-US"/>
           </a:p>
@@ -3139,7 +3140,6 @@
               <a:rPr lang="en-US" altLang="ko-KR" dirty="0" smtClean="0"/>
               <a:t>?)</a:t>
             </a:r>
-            <a:endParaRPr lang="en-US" altLang="ko-KR" dirty="0" smtClean="0"/>
           </a:p>
           <a:p>
             <a:r>
@@ -3557,11 +3557,7 @@
           <a:p>
             <a:r>
               <a:rPr lang="ko-KR" altLang="en-US" dirty="0" smtClean="0"/>
-              <a:t>신이 내일 수강신청 </a:t>
-            </a:r>
-            <a:r>
-              <a:rPr lang="ko-KR" altLang="en-US" dirty="0" smtClean="0"/>
-              <a:t>파이팅</a:t>
+              <a:t>신이 내일 수강신청 파이팅</a:t>
             </a:r>
             <a:endParaRPr lang="en-US" altLang="ko-KR" dirty="0" smtClean="0"/>
           </a:p>
@@ -3582,7 +3578,6 @@
               <a:rPr lang="en-US" altLang="ko-KR" dirty="0" smtClean="0"/>
               <a:t>. </a:t>
             </a:r>
-            <a:endParaRPr lang="en-US" altLang="ko-KR" dirty="0" smtClean="0"/>
           </a:p>
           <a:p>
             <a:r>
@@ -3650,7 +3645,11 @@
           <a:bodyPr/>
           <a:lstStyle/>
           <a:p>
-            <a:endParaRPr lang="ko-KR" altLang="en-US"/>
+            <a:r>
+              <a:rPr lang="ko-KR" altLang="en-US" dirty="0" smtClean="0"/>
+              <a:t>회의 결과</a:t>
+            </a:r>
+            <a:endParaRPr lang="ko-KR" altLang="en-US" dirty="0"/>
           </a:p>
         </p:txBody>
       </p:sp>
@@ -3669,7 +3668,61 @@
           <a:bodyPr/>
           <a:lstStyle/>
           <a:p>
-            <a:endParaRPr lang="ko-KR" altLang="en-US"/>
+            <a:r>
+              <a:rPr lang="ko-KR" altLang="en-US" dirty="0" smtClean="0"/>
+              <a:t>연장근무 </a:t>
+            </a:r>
+            <a:r>
+              <a:rPr lang="en-US" altLang="ko-KR" dirty="0" smtClean="0"/>
+              <a:t>OK</a:t>
+            </a:r>
+          </a:p>
+          <a:p>
+            <a:r>
+              <a:rPr lang="en-US" altLang="ko-KR" dirty="0" smtClean="0"/>
+              <a:t>Bottom navigation bar </a:t>
+            </a:r>
+            <a:r>
+              <a:rPr lang="ko-KR" altLang="en-US" dirty="0" err="1" smtClean="0"/>
+              <a:t>수정예정</a:t>
+            </a:r>
+            <a:endParaRPr lang="en-US" altLang="ko-KR" dirty="0"/>
+          </a:p>
+          <a:p>
+            <a:r>
+              <a:rPr lang="ko-KR" altLang="en-US" dirty="0" err="1" smtClean="0"/>
+              <a:t>게시글</a:t>
+            </a:r>
+            <a:r>
+              <a:rPr lang="ko-KR" altLang="en-US" dirty="0" smtClean="0"/>
+              <a:t> </a:t>
+            </a:r>
+            <a:r>
+              <a:rPr lang="en-US" altLang="ko-KR" dirty="0" smtClean="0"/>
+              <a:t>List</a:t>
+            </a:r>
+            <a:r>
+              <a:rPr lang="ko-KR" altLang="en-US" dirty="0" smtClean="0"/>
+              <a:t>의 </a:t>
+            </a:r>
+            <a:r>
+              <a:rPr lang="en-US" altLang="ko-KR" dirty="0" smtClean="0"/>
+              <a:t>UI </a:t>
+            </a:r>
+            <a:r>
+              <a:rPr lang="ko-KR" altLang="en-US" dirty="0" smtClean="0"/>
+              <a:t>변경 합의</a:t>
+            </a:r>
+            <a:r>
+              <a:rPr lang="en-US" altLang="ko-KR" dirty="0" smtClean="0"/>
+              <a:t>!</a:t>
+            </a:r>
+          </a:p>
+          <a:p>
+            <a:pPr marL="0" indent="0">
+              <a:buNone/>
+            </a:pPr>
+            <a:endParaRPr lang="en-US" altLang="ko-KR" dirty="0" smtClean="0"/>
           </a:p>
         </p:txBody>
       </p:sp>
@@ -3677,6 +3730,326 @@
     <p:extLst>
       <p:ext uri="{BB962C8B-B14F-4D97-AF65-F5344CB8AC3E}">
         <p14:creationId xmlns:p14="http://schemas.microsoft.com/office/powerpoint/2010/main" val="1437604592"/>
+      </p:ext>
+    </p:extLst>
+  </p:cSld>
+  <p:clrMapOvr>
+    <a:masterClrMapping/>
+  </p:clrMapOvr>
+</p:sld>
+</file>
+
+<file path=ppt/slides/slide5.xml><?xml version="1.0" encoding="utf-8"?>
+<p:sld xmlns:a="http://schemas.openxmlformats.org/drawingml/2006/main" xmlns:r="http://schemas.openxmlformats.org/officeDocument/2006/relationships" xmlns:p="http://schemas.openxmlformats.org/presentationml/2006/main">
+  <p:cSld>
+    <p:spTree>
+      <p:nvGrpSpPr>
+        <p:cNvPr id="1" name=""/>
+        <p:cNvGrpSpPr/>
+        <p:nvPr/>
+      </p:nvGrpSpPr>
+      <p:grpSpPr>
+        <a:xfrm>
+          <a:off x="0" y="0"/>
+          <a:ext cx="0" cy="0"/>
+          <a:chOff x="0" y="0"/>
+          <a:chExt cx="0" cy="0"/>
+        </a:xfrm>
+      </p:grpSpPr>
+      <p:sp>
+        <p:nvSpPr>
+          <p:cNvPr id="2" name="제목 1"/>
+          <p:cNvSpPr>
+            <a:spLocks noGrp="1"/>
+          </p:cNvSpPr>
+          <p:nvPr>
+            <p:ph type="title"/>
+          </p:nvPr>
+        </p:nvSpPr>
+        <p:spPr/>
+        <p:txBody>
+          <a:bodyPr/>
+          <a:lstStyle/>
+          <a:p>
+            <a:r>
+              <a:rPr lang="ko-KR" altLang="en-US" dirty="0" smtClean="0"/>
+              <a:t>금일 </a:t>
+            </a:r>
+            <a:r>
+              <a:rPr lang="ko-KR" altLang="en-US" dirty="0" err="1" smtClean="0"/>
+              <a:t>작업사항</a:t>
+            </a:r>
+            <a:endParaRPr lang="ko-KR" altLang="en-US" dirty="0"/>
+          </a:p>
+        </p:txBody>
+      </p:sp>
+      <p:sp>
+        <p:nvSpPr>
+          <p:cNvPr id="3" name="내용 개체 틀 2"/>
+          <p:cNvSpPr>
+            <a:spLocks noGrp="1"/>
+          </p:cNvSpPr>
+          <p:nvPr>
+            <p:ph idx="1"/>
+          </p:nvPr>
+        </p:nvSpPr>
+        <p:spPr/>
+        <p:txBody>
+          <a:bodyPr>
+            <a:normAutofit fontScale="85000" lnSpcReduction="20000"/>
+          </a:bodyPr>
+          <a:lstStyle/>
+          <a:p>
+            <a:r>
+              <a:rPr lang="ko-KR" altLang="en-US" dirty="0" smtClean="0"/>
+              <a:t>종현 </a:t>
+            </a:r>
+            <a:r>
+              <a:rPr lang="en-US" altLang="ko-KR" dirty="0" smtClean="0"/>
+              <a:t>: Bottom navigation bar </a:t>
+            </a:r>
+            <a:r>
+              <a:rPr lang="ko-KR" altLang="en-US" dirty="0" smtClean="0"/>
+              <a:t>문제 </a:t>
+            </a:r>
+            <a:r>
+              <a:rPr lang="ko-KR" altLang="en-US" dirty="0" err="1" smtClean="0"/>
+              <a:t>고군분투중</a:t>
+            </a:r>
+            <a:endParaRPr lang="en-US" altLang="ko-KR" dirty="0" smtClean="0"/>
+          </a:p>
+          <a:p>
+            <a:r>
+              <a:rPr lang="ko-KR" altLang="en-US" dirty="0" smtClean="0"/>
+              <a:t>은지 </a:t>
+            </a:r>
+            <a:r>
+              <a:rPr lang="en-US" altLang="ko-KR" dirty="0" smtClean="0"/>
+              <a:t>: </a:t>
+            </a:r>
+            <a:r>
+              <a:rPr lang="ko-KR" altLang="en-US" dirty="0" err="1" smtClean="0"/>
+              <a:t>게시글</a:t>
+            </a:r>
+            <a:r>
+              <a:rPr lang="ko-KR" altLang="en-US" dirty="0" smtClean="0"/>
+              <a:t> </a:t>
+            </a:r>
+            <a:r>
+              <a:rPr lang="en-US" altLang="ko-KR" dirty="0" smtClean="0"/>
+              <a:t>List</a:t>
+            </a:r>
+            <a:r>
+              <a:rPr lang="ko-KR" altLang="en-US" dirty="0" smtClean="0"/>
+              <a:t>의 </a:t>
+            </a:r>
+            <a:r>
+              <a:rPr lang="en-US" altLang="ko-KR" dirty="0" smtClean="0"/>
+              <a:t>UI </a:t>
+            </a:r>
+            <a:r>
+              <a:rPr lang="ko-KR" altLang="en-US" dirty="0" smtClean="0"/>
+              <a:t>변경</a:t>
+            </a:r>
+            <a:endParaRPr lang="en-US" altLang="ko-KR" dirty="0" smtClean="0"/>
+          </a:p>
+          <a:p>
+            <a:r>
+              <a:rPr lang="ko-KR" altLang="en-US" dirty="0" smtClean="0"/>
+              <a:t>신 </a:t>
+            </a:r>
+            <a:r>
+              <a:rPr lang="en-US" altLang="ko-KR" dirty="0" smtClean="0"/>
+              <a:t/>
+            </a:r>
+            <a:br>
+              <a:rPr lang="en-US" altLang="ko-KR" dirty="0" smtClean="0"/>
+            </a:br>
+            <a:r>
+              <a:rPr lang="en-US" altLang="ko-KR" dirty="0" smtClean="0"/>
+              <a:t>-</a:t>
+            </a:r>
+            <a:r>
+              <a:rPr lang="ko-KR" altLang="en-US" dirty="0" smtClean="0"/>
+              <a:t>서브 </a:t>
+            </a:r>
+            <a:r>
+              <a:rPr lang="ko-KR" altLang="en-US" dirty="0"/>
+              <a:t>카테고리 </a:t>
+            </a:r>
+            <a:r>
+              <a:rPr lang="en-US" altLang="ko-KR" dirty="0"/>
+              <a:t>DB</a:t>
+            </a:r>
+            <a:r>
+              <a:rPr lang="ko-KR" altLang="en-US" dirty="0"/>
+              <a:t>에 추가되게 코드 수정</a:t>
+            </a:r>
+          </a:p>
+          <a:p>
+            <a:pPr marL="0" indent="0">
+              <a:buNone/>
+            </a:pPr>
+            <a:r>
+              <a:rPr lang="ko-KR" altLang="en-US" dirty="0" smtClean="0"/>
+              <a:t>  </a:t>
+            </a:r>
+            <a:r>
+              <a:rPr lang="en-US" altLang="ko-KR" dirty="0" smtClean="0"/>
+              <a:t>-</a:t>
+            </a:r>
+            <a:r>
+              <a:rPr lang="ko-KR" altLang="en-US" dirty="0" err="1" smtClean="0"/>
+              <a:t>게시글</a:t>
+            </a:r>
+            <a:r>
+              <a:rPr lang="ko-KR" altLang="en-US" dirty="0" smtClean="0"/>
+              <a:t> </a:t>
+            </a:r>
+            <a:r>
+              <a:rPr lang="ko-KR" altLang="en-US" dirty="0"/>
+              <a:t>작성 시 제목에 특수문자 </a:t>
+            </a:r>
+            <a:r>
+              <a:rPr lang="en-US" altLang="ko-KR" dirty="0"/>
+              <a:t>_ </a:t>
+            </a:r>
+            <a:r>
+              <a:rPr lang="ko-KR" altLang="en-US" dirty="0" err="1"/>
+              <a:t>안들어가게</a:t>
+            </a:r>
+            <a:r>
+              <a:rPr lang="ko-KR" altLang="en-US" dirty="0"/>
+              <a:t> 코드 수정</a:t>
+            </a:r>
+          </a:p>
+          <a:p>
+            <a:pPr marL="0" indent="0">
+              <a:buNone/>
+            </a:pPr>
+            <a:r>
+              <a:rPr lang="ko-KR" altLang="en-US" dirty="0" smtClean="0"/>
+              <a:t>  </a:t>
+            </a:r>
+            <a:r>
+              <a:rPr lang="en-US" altLang="ko-KR" dirty="0" smtClean="0"/>
+              <a:t>-</a:t>
+            </a:r>
+            <a:r>
+              <a:rPr lang="ko-KR" altLang="en-US" dirty="0" smtClean="0"/>
+              <a:t>회원가입 </a:t>
+            </a:r>
+            <a:r>
+              <a:rPr lang="ko-KR" altLang="en-US" dirty="0"/>
+              <a:t>시 </a:t>
+            </a:r>
+            <a:r>
+              <a:rPr lang="ko-KR" altLang="en-US" dirty="0" err="1"/>
+              <a:t>뒤로가기를</a:t>
+            </a:r>
+            <a:r>
+              <a:rPr lang="ko-KR" altLang="en-US" dirty="0"/>
+              <a:t> 누르면 </a:t>
+            </a:r>
+            <a:r>
+              <a:rPr lang="ko-KR" altLang="en-US" dirty="0" err="1"/>
+              <a:t>무한로딩</a:t>
+            </a:r>
+            <a:r>
+              <a:rPr lang="ko-KR" altLang="en-US" dirty="0"/>
+              <a:t> 화면 고침</a:t>
+            </a:r>
+          </a:p>
+          <a:p>
+            <a:pPr marL="0" indent="0">
+              <a:buNone/>
+            </a:pPr>
+            <a:r>
+              <a:rPr lang="ko-KR" altLang="en-US" dirty="0" smtClean="0"/>
+              <a:t>  </a:t>
+            </a:r>
+            <a:r>
+              <a:rPr lang="en-US" altLang="ko-KR" dirty="0" smtClean="0"/>
+              <a:t>-</a:t>
+            </a:r>
+            <a:r>
+              <a:rPr lang="ko-KR" altLang="en-US" dirty="0" smtClean="0"/>
+              <a:t>비밀번호 </a:t>
+            </a:r>
+            <a:r>
+              <a:rPr lang="ko-KR" altLang="en-US" dirty="0"/>
+              <a:t>재설정 </a:t>
+            </a:r>
+            <a:r>
+              <a:rPr lang="ko-KR" altLang="en-US" dirty="0" err="1"/>
+              <a:t>기능구현</a:t>
+            </a:r>
+            <a:r>
+              <a:rPr lang="ko-KR" altLang="en-US" dirty="0"/>
+              <a:t> 완료</a:t>
+            </a:r>
+          </a:p>
+          <a:p>
+            <a:pPr marL="0" indent="0">
+              <a:buNone/>
+            </a:pPr>
+            <a:r>
+              <a:rPr lang="ko-KR" altLang="en-US" dirty="0" smtClean="0"/>
+              <a:t>  </a:t>
+            </a:r>
+            <a:r>
+              <a:rPr lang="en-US" altLang="ko-KR" dirty="0" smtClean="0"/>
+              <a:t>-</a:t>
+            </a:r>
+            <a:r>
+              <a:rPr lang="ko-KR" altLang="en-US" dirty="0" smtClean="0"/>
+              <a:t>서브 </a:t>
+            </a:r>
+            <a:r>
+              <a:rPr lang="ko-KR" altLang="en-US" dirty="0"/>
+              <a:t>카테고리와 마감시간 입력 안하면 안 넘어가고 토스트 메시지로 입력하라고 요청 기능 구현</a:t>
+            </a:r>
+          </a:p>
+          <a:p>
+            <a:endParaRPr lang="en-US" altLang="ko-KR" dirty="0" smtClean="0"/>
+          </a:p>
+          <a:p>
+            <a:r>
+              <a:rPr lang="ko-KR" altLang="en-US" dirty="0" smtClean="0"/>
+              <a:t>주원 </a:t>
+            </a:r>
+            <a:r>
+              <a:rPr lang="en-US" altLang="ko-KR" dirty="0" smtClean="0"/>
+              <a:t>: </a:t>
+            </a:r>
+            <a:r>
+              <a:rPr lang="ko-KR" altLang="en-US" dirty="0" err="1" smtClean="0"/>
+              <a:t>채팅방의</a:t>
+            </a:r>
+            <a:r>
+              <a:rPr lang="ko-KR" altLang="en-US" dirty="0" smtClean="0"/>
+              <a:t> 메시지 데이터를 </a:t>
+            </a:r>
+            <a:r>
+              <a:rPr lang="ko-KR" altLang="en-US" dirty="0" err="1" smtClean="0"/>
+              <a:t>채팅방</a:t>
+            </a:r>
+            <a:r>
+              <a:rPr lang="ko-KR" altLang="en-US" dirty="0" smtClean="0"/>
+              <a:t> 입장 시간 이후의 것으로만 가져오는 것으로 업데이트</a:t>
+            </a:r>
+            <a:r>
+              <a:rPr lang="en-US" altLang="ko-KR" dirty="0" smtClean="0"/>
+              <a:t>. </a:t>
+            </a:r>
+            <a:endParaRPr lang="ko-KR" altLang="en-US" dirty="0"/>
+          </a:p>
+        </p:txBody>
+      </p:sp>
+    </p:spTree>
+    <p:extLst>
+      <p:ext uri="{BB962C8B-B14F-4D97-AF65-F5344CB8AC3E}">
+        <p14:creationId xmlns:p14="http://schemas.microsoft.com/office/powerpoint/2010/main" val="2728378704"/>
       </p:ext>
     </p:extLst>
   </p:cSld>
